--- a/kaizen SMP OTH.pptx
+++ b/kaizen SMP OTH.pptx
@@ -6,6 +6,7 @@
   </p:sldMasterIdLst>
   <p:sldIdLst>
     <p:sldId id="257" r:id="rId2"/>
+    <p:sldId id="258" r:id="rId3"/>
   </p:sldIdLst>
   <p:sldSz cx="12192000" cy="6858000"/>
   <p:notesSz cx="6858000" cy="9144000"/>
@@ -3721,6 +3722,176 @@
 </p:sld>
 </file>
 
+<file path=ppt/slides/slide2.xml><?xml version="1.0" encoding="utf-8"?>
+<p:sld xmlns:a="http://schemas.openxmlformats.org/drawingml/2006/main" xmlns:r="http://schemas.openxmlformats.org/officeDocument/2006/relationships" xmlns:p="http://schemas.openxmlformats.org/presentationml/2006/main">
+  <p:cSld>
+    <p:spTree>
+      <p:nvGrpSpPr>
+        <p:cNvPr id="1" name=""/>
+        <p:cNvGrpSpPr/>
+        <p:nvPr/>
+      </p:nvGrpSpPr>
+      <p:grpSpPr>
+        <a:xfrm>
+          <a:off x="0" y="0"/>
+          <a:ext cx="0" cy="0"/>
+          <a:chOff x="0" y="0"/>
+          <a:chExt cx="0" cy="0"/>
+        </a:xfrm>
+      </p:grpSpPr>
+      <p:pic>
+        <p:nvPicPr>
+          <p:cNvPr id="3" name="Picture 2">
+            <a:extLst>
+              <a:ext uri="{FF2B5EF4-FFF2-40B4-BE49-F238E27FC236}">
+                <a16:creationId xmlns:a16="http://schemas.microsoft.com/office/drawing/2014/main" id="{F0593CE2-F605-3ECF-572F-9736277A497D}"/>
+              </a:ext>
+            </a:extLst>
+          </p:cNvPr>
+          <p:cNvPicPr>
+            <a:picLocks noChangeAspect="1"/>
+          </p:cNvPicPr>
+          <p:nvPr/>
+        </p:nvPicPr>
+        <p:blipFill>
+          <a:blip r:embed="rId2"/>
+          <a:stretch>
+            <a:fillRect/>
+          </a:stretch>
+        </p:blipFill>
+        <p:spPr>
+          <a:xfrm>
+            <a:off x="1347124" y="3846788"/>
+            <a:ext cx="9530431" cy="2475184"/>
+          </a:xfrm>
+          <a:prstGeom prst="rect">
+            <a:avLst/>
+          </a:prstGeom>
+        </p:spPr>
+      </p:pic>
+      <p:pic>
+        <p:nvPicPr>
+          <p:cNvPr id="5" name="Picture 4" descr="A computer screen shot of text&#10;&#10;AI-generated content may be incorrect.">
+            <a:extLst>
+              <a:ext uri="{FF2B5EF4-FFF2-40B4-BE49-F238E27FC236}">
+                <a16:creationId xmlns:a16="http://schemas.microsoft.com/office/drawing/2014/main" id="{6EC37D2B-3D9C-E837-E964-3D9D5FF595C4}"/>
+              </a:ext>
+            </a:extLst>
+          </p:cNvPr>
+          <p:cNvPicPr>
+            <a:picLocks noChangeAspect="1"/>
+          </p:cNvPicPr>
+          <p:nvPr/>
+        </p:nvPicPr>
+        <p:blipFill>
+          <a:blip r:embed="rId3">
+            <a:extLst>
+              <a:ext uri="{28A0092B-C50C-407E-A947-70E740481C1C}">
+                <a14:useLocalDpi xmlns:a14="http://schemas.microsoft.com/office/drawing/2010/main" val="0"/>
+              </a:ext>
+            </a:extLst>
+          </a:blip>
+          <a:stretch>
+            <a:fillRect/>
+          </a:stretch>
+        </p:blipFill>
+        <p:spPr>
+          <a:xfrm>
+            <a:off x="1289306" y="536028"/>
+            <a:ext cx="9497750" cy="3105583"/>
+          </a:xfrm>
+          <a:prstGeom prst="rect">
+            <a:avLst/>
+          </a:prstGeom>
+        </p:spPr>
+      </p:pic>
+      <p:sp>
+        <p:nvSpPr>
+          <p:cNvPr id="6" name="Speech Bubble: Rectangle with Corners Rounded 5">
+            <a:extLst>
+              <a:ext uri="{FF2B5EF4-FFF2-40B4-BE49-F238E27FC236}">
+                <a16:creationId xmlns:a16="http://schemas.microsoft.com/office/drawing/2014/main" id="{33B8F64A-4A5C-0093-596E-038EB299D9DE}"/>
+              </a:ext>
+            </a:extLst>
+          </p:cNvPr>
+          <p:cNvSpPr/>
+          <p:nvPr/>
+        </p:nvSpPr>
+        <p:spPr>
+          <a:xfrm>
+            <a:off x="8245366" y="1261016"/>
+            <a:ext cx="2144110" cy="1008993"/>
+          </a:xfrm>
+          <a:prstGeom prst="wedgeRoundRectCallout">
+            <a:avLst>
+              <a:gd name="adj1" fmla="val -122799"/>
+              <a:gd name="adj2" fmla="val 131250"/>
+              <a:gd name="adj3" fmla="val 16667"/>
+            </a:avLst>
+          </a:prstGeom>
+          <a:noFill/>
+          <a:ln>
+            <a:solidFill>
+              <a:srgbClr val="FFFF00"/>
+            </a:solidFill>
+          </a:ln>
+        </p:spPr>
+        <p:style>
+          <a:lnRef idx="2">
+            <a:schemeClr val="accent1">
+              <a:shade val="15000"/>
+            </a:schemeClr>
+          </a:lnRef>
+          <a:fillRef idx="1">
+            <a:schemeClr val="accent1"/>
+          </a:fillRef>
+          <a:effectRef idx="0">
+            <a:schemeClr val="accent1"/>
+          </a:effectRef>
+          <a:fontRef idx="minor">
+            <a:schemeClr val="lt1"/>
+          </a:fontRef>
+        </p:style>
+        <p:txBody>
+          <a:bodyPr rtlCol="0" anchor="ctr"/>
+          <a:lstStyle/>
+          <a:p>
+            <a:pPr algn="ctr"/>
+            <a:r>
+              <a:rPr lang="en-US" dirty="0">
+                <a:solidFill>
+                  <a:srgbClr val="FFFF00"/>
+                </a:solidFill>
+              </a:rPr>
+              <a:t>Before: ‘BUSI</a:t>
+            </a:r>
+          </a:p>
+          <a:p>
+            <a:pPr algn="ctr"/>
+            <a:r>
+              <a:rPr lang="en-US" dirty="0">
+                <a:solidFill>
+                  <a:srgbClr val="FFFF00"/>
+                </a:solidFill>
+              </a:rPr>
+              <a:t>New: ‘SAGA’</a:t>
+            </a:r>
+          </a:p>
+        </p:txBody>
+      </p:sp>
+    </p:spTree>
+    <p:extLst>
+      <p:ext uri="{BB962C8B-B14F-4D97-AF65-F5344CB8AC3E}">
+        <p14:creationId xmlns:p14="http://schemas.microsoft.com/office/powerpoint/2010/main" val="3354936244"/>
+      </p:ext>
+    </p:extLst>
+  </p:cSld>
+  <p:clrMapOvr>
+    <a:masterClrMapping/>
+  </p:clrMapOvr>
+</p:sld>
+</file>
+
 <file path=ppt/theme/theme1.xml><?xml version="1.0" encoding="utf-8"?>
 <a:theme xmlns:a="http://schemas.openxmlformats.org/drawingml/2006/main" name="Office Theme">
   <a:themeElements>

--- a/kaizen SMP OTH.pptx
+++ b/kaizen SMP OTH.pptx
@@ -3741,10 +3741,10 @@
       </p:grpSpPr>
       <p:pic>
         <p:nvPicPr>
-          <p:cNvPr id="3" name="Picture 2">
-            <a:extLst>
-              <a:ext uri="{FF2B5EF4-FFF2-40B4-BE49-F238E27FC236}">
-                <a16:creationId xmlns:a16="http://schemas.microsoft.com/office/drawing/2014/main" id="{F0593CE2-F605-3ECF-572F-9736277A497D}"/>
+          <p:cNvPr id="8" name="Picture 7">
+            <a:extLst>
+              <a:ext uri="{FF2B5EF4-FFF2-40B4-BE49-F238E27FC236}">
+                <a16:creationId xmlns:a16="http://schemas.microsoft.com/office/drawing/2014/main" id="{9F5099C7-FACD-6862-ABA3-633AC6C26139}"/>
               </a:ext>
             </a:extLst>
           </p:cNvPr>
@@ -3755,6 +3755,36 @@
         </p:nvPicPr>
         <p:blipFill>
           <a:blip r:embed="rId2"/>
+          <a:stretch>
+            <a:fillRect/>
+          </a:stretch>
+        </p:blipFill>
+        <p:spPr>
+          <a:xfrm>
+            <a:off x="499373" y="243282"/>
+            <a:ext cx="10378182" cy="3365332"/>
+          </a:xfrm>
+          <a:prstGeom prst="rect">
+            <a:avLst/>
+          </a:prstGeom>
+        </p:spPr>
+      </p:pic>
+      <p:pic>
+        <p:nvPicPr>
+          <p:cNvPr id="3" name="Picture 2">
+            <a:extLst>
+              <a:ext uri="{FF2B5EF4-FFF2-40B4-BE49-F238E27FC236}">
+                <a16:creationId xmlns:a16="http://schemas.microsoft.com/office/drawing/2014/main" id="{F0593CE2-F605-3ECF-572F-9736277A497D}"/>
+              </a:ext>
+            </a:extLst>
+          </p:cNvPr>
+          <p:cNvPicPr>
+            <a:picLocks noChangeAspect="1"/>
+          </p:cNvPicPr>
+          <p:nvPr/>
+        </p:nvPicPr>
+        <p:blipFill>
+          <a:blip r:embed="rId3"/>
           <a:stretch>
             <a:fillRect/>
           </a:stretch>
@@ -3769,57 +3799,21 @@
           </a:prstGeom>
         </p:spPr>
       </p:pic>
-      <p:pic>
-        <p:nvPicPr>
-          <p:cNvPr id="5" name="Picture 4" descr="A computer screen shot of text&#10;&#10;AI-generated content may be incorrect.">
-            <a:extLst>
-              <a:ext uri="{FF2B5EF4-FFF2-40B4-BE49-F238E27FC236}">
-                <a16:creationId xmlns:a16="http://schemas.microsoft.com/office/drawing/2014/main" id="{6EC37D2B-3D9C-E837-E964-3D9D5FF595C4}"/>
-              </a:ext>
-            </a:extLst>
-          </p:cNvPr>
-          <p:cNvPicPr>
-            <a:picLocks noChangeAspect="1"/>
-          </p:cNvPicPr>
+      <p:sp>
+        <p:nvSpPr>
+          <p:cNvPr id="6" name="Speech Bubble: Rectangle with Corners Rounded 5">
+            <a:extLst>
+              <a:ext uri="{FF2B5EF4-FFF2-40B4-BE49-F238E27FC236}">
+                <a16:creationId xmlns:a16="http://schemas.microsoft.com/office/drawing/2014/main" id="{33B8F64A-4A5C-0093-596E-038EB299D9DE}"/>
+              </a:ext>
+            </a:extLst>
+          </p:cNvPr>
+          <p:cNvSpPr/>
           <p:nvPr/>
-        </p:nvPicPr>
-        <p:blipFill>
-          <a:blip r:embed="rId3">
-            <a:extLst>
-              <a:ext uri="{28A0092B-C50C-407E-A947-70E740481C1C}">
-                <a14:useLocalDpi xmlns:a14="http://schemas.microsoft.com/office/drawing/2010/main" val="0"/>
-              </a:ext>
-            </a:extLst>
-          </a:blip>
-          <a:stretch>
-            <a:fillRect/>
-          </a:stretch>
-        </p:blipFill>
+        </p:nvSpPr>
         <p:spPr>
           <a:xfrm>
-            <a:off x="1289306" y="536028"/>
-            <a:ext cx="9497750" cy="3105583"/>
-          </a:xfrm>
-          <a:prstGeom prst="rect">
-            <a:avLst/>
-          </a:prstGeom>
-        </p:spPr>
-      </p:pic>
-      <p:sp>
-        <p:nvSpPr>
-          <p:cNvPr id="6" name="Speech Bubble: Rectangle with Corners Rounded 5">
-            <a:extLst>
-              <a:ext uri="{FF2B5EF4-FFF2-40B4-BE49-F238E27FC236}">
-                <a16:creationId xmlns:a16="http://schemas.microsoft.com/office/drawing/2014/main" id="{33B8F64A-4A5C-0093-596E-038EB299D9DE}"/>
-              </a:ext>
-            </a:extLst>
-          </p:cNvPr>
-          <p:cNvSpPr/>
-          <p:nvPr/>
-        </p:nvSpPr>
-        <p:spPr>
-          <a:xfrm>
-            <a:off x="8245366" y="1261016"/>
+            <a:off x="8033094" y="1114059"/>
             <a:ext cx="2144110" cy="1008993"/>
           </a:xfrm>
           <a:prstGeom prst="wedgeRoundRectCallout">
@@ -3879,6 +3873,138 @@
           </a:p>
         </p:txBody>
       </p:sp>
+      <p:cxnSp>
+        <p:nvCxnSpPr>
+          <p:cNvPr id="10" name="Straight Arrow Connector 9">
+            <a:extLst>
+              <a:ext uri="{FF2B5EF4-FFF2-40B4-BE49-F238E27FC236}">
+                <a16:creationId xmlns:a16="http://schemas.microsoft.com/office/drawing/2014/main" id="{EEB116A3-CF78-3281-6EAD-6F075ECE6B00}"/>
+              </a:ext>
+            </a:extLst>
+          </p:cNvPr>
+          <p:cNvCxnSpPr>
+            <a:cxnSpLocks/>
+          </p:cNvCxnSpPr>
+          <p:nvPr/>
+        </p:nvCxnSpPr>
+        <p:spPr>
+          <a:xfrm flipH="1">
+            <a:off x="1347124" y="2123052"/>
+            <a:ext cx="388231" cy="0"/>
+          </a:xfrm>
+          <a:prstGeom prst="straightConnector1">
+            <a:avLst/>
+          </a:prstGeom>
+          <a:ln>
+            <a:solidFill>
+              <a:srgbClr val="FFFF00"/>
+            </a:solidFill>
+            <a:tailEnd type="triangle"/>
+          </a:ln>
+        </p:spPr>
+        <p:style>
+          <a:lnRef idx="2">
+            <a:schemeClr val="dk1"/>
+          </a:lnRef>
+          <a:fillRef idx="0">
+            <a:schemeClr val="dk1"/>
+          </a:fillRef>
+          <a:effectRef idx="1">
+            <a:schemeClr val="dk1"/>
+          </a:effectRef>
+          <a:fontRef idx="minor">
+            <a:schemeClr val="tx1"/>
+          </a:fontRef>
+        </p:style>
+      </p:cxnSp>
+      <p:cxnSp>
+        <p:nvCxnSpPr>
+          <p:cNvPr id="12" name="Straight Arrow Connector 11">
+            <a:extLst>
+              <a:ext uri="{FF2B5EF4-FFF2-40B4-BE49-F238E27FC236}">
+                <a16:creationId xmlns:a16="http://schemas.microsoft.com/office/drawing/2014/main" id="{DEDF5B99-AD5E-BD04-1BF1-3085DD97FC5A}"/>
+              </a:ext>
+            </a:extLst>
+          </p:cNvPr>
+          <p:cNvCxnSpPr>
+            <a:cxnSpLocks/>
+          </p:cNvCxnSpPr>
+          <p:nvPr/>
+        </p:nvCxnSpPr>
+        <p:spPr>
+          <a:xfrm flipH="1">
+            <a:off x="6369269" y="2117759"/>
+            <a:ext cx="442582" cy="247069"/>
+          </a:xfrm>
+          <a:prstGeom prst="straightConnector1">
+            <a:avLst/>
+          </a:prstGeom>
+          <a:ln>
+            <a:solidFill>
+              <a:srgbClr val="FFFF00"/>
+            </a:solidFill>
+            <a:tailEnd type="triangle"/>
+          </a:ln>
+        </p:spPr>
+        <p:style>
+          <a:lnRef idx="2">
+            <a:schemeClr val="dk1"/>
+          </a:lnRef>
+          <a:fillRef idx="0">
+            <a:schemeClr val="dk1"/>
+          </a:fillRef>
+          <a:effectRef idx="1">
+            <a:schemeClr val="dk1"/>
+          </a:effectRef>
+          <a:fontRef idx="minor">
+            <a:schemeClr val="tx1"/>
+          </a:fontRef>
+        </p:style>
+      </p:cxnSp>
+      <p:cxnSp>
+        <p:nvCxnSpPr>
+          <p:cNvPr id="14" name="Straight Arrow Connector 13">
+            <a:extLst>
+              <a:ext uri="{FF2B5EF4-FFF2-40B4-BE49-F238E27FC236}">
+                <a16:creationId xmlns:a16="http://schemas.microsoft.com/office/drawing/2014/main" id="{1B2793B3-936B-BB5B-3413-59F8BAD19BFE}"/>
+              </a:ext>
+            </a:extLst>
+          </p:cNvPr>
+          <p:cNvCxnSpPr>
+            <a:cxnSpLocks/>
+          </p:cNvCxnSpPr>
+          <p:nvPr/>
+        </p:nvCxnSpPr>
+        <p:spPr>
+          <a:xfrm flipH="1" flipV="1">
+            <a:off x="1735355" y="830282"/>
+            <a:ext cx="693682" cy="47186"/>
+          </a:xfrm>
+          <a:prstGeom prst="straightConnector1">
+            <a:avLst/>
+          </a:prstGeom>
+          <a:ln>
+            <a:solidFill>
+              <a:srgbClr val="FFFF00"/>
+            </a:solidFill>
+            <a:tailEnd type="triangle"/>
+          </a:ln>
+        </p:spPr>
+        <p:style>
+          <a:lnRef idx="2">
+            <a:schemeClr val="dk1"/>
+          </a:lnRef>
+          <a:fillRef idx="0">
+            <a:schemeClr val="dk1"/>
+          </a:fillRef>
+          <a:effectRef idx="1">
+            <a:schemeClr val="dk1"/>
+          </a:effectRef>
+          <a:fontRef idx="minor">
+            <a:schemeClr val="tx1"/>
+          </a:fontRef>
+        </p:style>
+      </p:cxnSp>
     </p:spTree>
     <p:extLst>
       <p:ext uri="{BB962C8B-B14F-4D97-AF65-F5344CB8AC3E}">
